--- a/docs/coin.pptx
+++ b/docs/coin.pptx
@@ -104,6 +104,11 @@
       </a:defRPr>
     </a:lvl9pPr>
   </p:defaultTextStyle>
+  <p:extLst>
+    <p:ext uri="{EFAFB233-063F-42B5-8137-9DF3F51BA10A}">
+      <p15:sldGuideLst xmlns:p15="http://schemas.microsoft.com/office/powerpoint/2012/main"/>
+    </p:ext>
+  </p:extLst>
 </p:presentation>
 </file>
 
@@ -238,7 +243,7 @@
           <a:p>
             <a:fld id="{FBE56CA4-35BB-4DD4-9802-FAC61B11A488}" type="datetimeFigureOut">
               <a:rPr kumimoji="1" lang="ja-JP" altLang="en-US" smtClean="0"/>
-              <a:t>2016/7/20</a:t>
+              <a:t>2016/7/21</a:t>
             </a:fld>
             <a:endParaRPr kumimoji="1" lang="ja-JP" altLang="en-US"/>
           </a:p>
@@ -440,7 +445,7 @@
           <a:p>
             <a:fld id="{FBE56CA4-35BB-4DD4-9802-FAC61B11A488}" type="datetimeFigureOut">
               <a:rPr kumimoji="1" lang="ja-JP" altLang="en-US" smtClean="0"/>
-              <a:t>2016/7/20</a:t>
+              <a:t>2016/7/21</a:t>
             </a:fld>
             <a:endParaRPr kumimoji="1" lang="ja-JP" altLang="en-US"/>
           </a:p>
@@ -652,7 +657,7 @@
           <a:p>
             <a:fld id="{FBE56CA4-35BB-4DD4-9802-FAC61B11A488}" type="datetimeFigureOut">
               <a:rPr kumimoji="1" lang="ja-JP" altLang="en-US" smtClean="0"/>
-              <a:t>2016/7/20</a:t>
+              <a:t>2016/7/21</a:t>
             </a:fld>
             <a:endParaRPr kumimoji="1" lang="ja-JP" altLang="en-US"/>
           </a:p>
@@ -854,7 +859,7 @@
           <a:p>
             <a:fld id="{FBE56CA4-35BB-4DD4-9802-FAC61B11A488}" type="datetimeFigureOut">
               <a:rPr kumimoji="1" lang="ja-JP" altLang="en-US" smtClean="0"/>
-              <a:t>2016/7/20</a:t>
+              <a:t>2016/7/21</a:t>
             </a:fld>
             <a:endParaRPr kumimoji="1" lang="ja-JP" altLang="en-US"/>
           </a:p>
@@ -1100,7 +1105,7 @@
           <a:p>
             <a:fld id="{FBE56CA4-35BB-4DD4-9802-FAC61B11A488}" type="datetimeFigureOut">
               <a:rPr kumimoji="1" lang="ja-JP" altLang="en-US" smtClean="0"/>
-              <a:t>2016/7/20</a:t>
+              <a:t>2016/7/21</a:t>
             </a:fld>
             <a:endParaRPr kumimoji="1" lang="ja-JP" altLang="en-US"/>
           </a:p>
@@ -1396,7 +1401,7 @@
           <a:p>
             <a:fld id="{FBE56CA4-35BB-4DD4-9802-FAC61B11A488}" type="datetimeFigureOut">
               <a:rPr kumimoji="1" lang="ja-JP" altLang="en-US" smtClean="0"/>
-              <a:t>2016/7/20</a:t>
+              <a:t>2016/7/21</a:t>
             </a:fld>
             <a:endParaRPr kumimoji="1" lang="ja-JP" altLang="en-US"/>
           </a:p>
@@ -1827,7 +1832,7 @@
           <a:p>
             <a:fld id="{FBE56CA4-35BB-4DD4-9802-FAC61B11A488}" type="datetimeFigureOut">
               <a:rPr kumimoji="1" lang="ja-JP" altLang="en-US" smtClean="0"/>
-              <a:t>2016/7/20</a:t>
+              <a:t>2016/7/21</a:t>
             </a:fld>
             <a:endParaRPr kumimoji="1" lang="ja-JP" altLang="en-US"/>
           </a:p>
@@ -1945,7 +1950,7 @@
           <a:p>
             <a:fld id="{FBE56CA4-35BB-4DD4-9802-FAC61B11A488}" type="datetimeFigureOut">
               <a:rPr kumimoji="1" lang="ja-JP" altLang="en-US" smtClean="0"/>
-              <a:t>2016/7/20</a:t>
+              <a:t>2016/7/21</a:t>
             </a:fld>
             <a:endParaRPr kumimoji="1" lang="ja-JP" altLang="en-US"/>
           </a:p>
@@ -2040,7 +2045,7 @@
           <a:p>
             <a:fld id="{FBE56CA4-35BB-4DD4-9802-FAC61B11A488}" type="datetimeFigureOut">
               <a:rPr kumimoji="1" lang="ja-JP" altLang="en-US" smtClean="0"/>
-              <a:t>2016/7/20</a:t>
+              <a:t>2016/7/21</a:t>
             </a:fld>
             <a:endParaRPr kumimoji="1" lang="ja-JP" altLang="en-US"/>
           </a:p>
@@ -2349,7 +2354,7 @@
           <a:p>
             <a:fld id="{FBE56CA4-35BB-4DD4-9802-FAC61B11A488}" type="datetimeFigureOut">
               <a:rPr kumimoji="1" lang="ja-JP" altLang="en-US" smtClean="0"/>
-              <a:t>2016/7/20</a:t>
+              <a:t>2016/7/21</a:t>
             </a:fld>
             <a:endParaRPr kumimoji="1" lang="ja-JP" altLang="en-US"/>
           </a:p>
@@ -2606,7 +2611,7 @@
           <a:p>
             <a:fld id="{FBE56CA4-35BB-4DD4-9802-FAC61B11A488}" type="datetimeFigureOut">
               <a:rPr kumimoji="1" lang="ja-JP" altLang="en-US" smtClean="0"/>
-              <a:t>2016/7/20</a:t>
+              <a:t>2016/7/21</a:t>
             </a:fld>
             <a:endParaRPr kumimoji="1" lang="ja-JP" altLang="en-US"/>
           </a:p>
@@ -2851,7 +2856,7 @@
           <a:p>
             <a:fld id="{FBE56CA4-35BB-4DD4-9802-FAC61B11A488}" type="datetimeFigureOut">
               <a:rPr kumimoji="1" lang="ja-JP" altLang="en-US" smtClean="0"/>
-              <a:t>2016/7/20</a:t>
+              <a:t>2016/7/21</a:t>
             </a:fld>
             <a:endParaRPr kumimoji="1" lang="ja-JP" altLang="en-US"/>
           </a:p>
@@ -3295,7 +3300,10 @@
           <a:lstStyle/>
           <a:p>
             <a:pPr algn="ctr"/>
-            <a:endParaRPr kumimoji="1" lang="ja-JP" altLang="en-US"/>
+            <a:endParaRPr kumimoji="1" lang="ja-JP" altLang="en-US">
+              <a:latin typeface="HGP創英角ｺﾞｼｯｸUB" panose="020B0900000000000000" pitchFamily="50" charset="-128"/>
+              <a:ea typeface="HGP創英角ｺﾞｼｯｸUB" panose="020B0900000000000000" pitchFamily="50" charset="-128"/>
+            </a:endParaRPr>
           </a:p>
         </p:txBody>
       </p:sp>
@@ -3400,12 +3408,12 @@
                   <a:schemeClr val="accent4"/>
                 </a:solidFill>
                 <a:effectLst>
-                  <a:outerShdw blurRad="50800" dist="38100" dir="2700000" algn="tl" rotWithShape="0">
-                    <a:prstClr val="black">
-                      <a:alpha val="40000"/>
-                    </a:prstClr>
+                  <a:outerShdw blurRad="63500" dist="63500" dir="2700000" algn="tl" rotWithShape="0">
+                    <a:prstClr val="black"/>
                   </a:outerShdw>
                 </a:effectLst>
+                <a:latin typeface="HGP創英角ｺﾞｼｯｸUB" panose="020B0900000000000000" pitchFamily="50" charset="-128"/>
+                <a:ea typeface="HGP創英角ｺﾞｼｯｸUB" panose="020B0900000000000000" pitchFamily="50" charset="-128"/>
               </a:rPr>
               <a:t>＄</a:t>
             </a:r>
@@ -3513,12 +3521,12 @@
                   <a:schemeClr val="accent4"/>
                 </a:solidFill>
                 <a:effectLst>
-                  <a:outerShdw blurRad="50800" dist="38100" dir="2700000" algn="tl" rotWithShape="0">
-                    <a:prstClr val="black">
-                      <a:alpha val="40000"/>
-                    </a:prstClr>
+                  <a:outerShdw blurRad="63500" dist="63500" dir="2700000" algn="tl" rotWithShape="0">
+                    <a:prstClr val="black"/>
                   </a:outerShdw>
                 </a:effectLst>
+                <a:latin typeface="HGP創英角ｺﾞｼｯｸUB" panose="020B0900000000000000" pitchFamily="50" charset="-128"/>
+                <a:ea typeface="HGP創英角ｺﾞｼｯｸUB" panose="020B0900000000000000" pitchFamily="50" charset="-128"/>
               </a:rPr>
               <a:t>＄</a:t>
             </a:r>
@@ -3626,12 +3634,12 @@
                   <a:schemeClr val="accent4"/>
                 </a:solidFill>
                 <a:effectLst>
-                  <a:outerShdw blurRad="50800" dist="38100" dir="2700000" algn="tl" rotWithShape="0">
-                    <a:prstClr val="black">
-                      <a:alpha val="40000"/>
-                    </a:prstClr>
+                  <a:outerShdw blurRad="63500" dist="63500" dir="2700000" algn="tl" rotWithShape="0">
+                    <a:prstClr val="black"/>
                   </a:outerShdw>
                 </a:effectLst>
+                <a:latin typeface="HGP創英角ｺﾞｼｯｸUB" panose="020B0900000000000000" pitchFamily="50" charset="-128"/>
+                <a:ea typeface="HGP創英角ｺﾞｼｯｸUB" panose="020B0900000000000000" pitchFamily="50" charset="-128"/>
               </a:rPr>
               <a:t>＄</a:t>
             </a:r>
@@ -3739,12 +3747,12 @@
                   <a:schemeClr val="accent4"/>
                 </a:solidFill>
                 <a:effectLst>
-                  <a:outerShdw blurRad="50800" dist="38100" dir="2700000" algn="tl" rotWithShape="0">
-                    <a:prstClr val="black">
-                      <a:alpha val="40000"/>
-                    </a:prstClr>
+                  <a:outerShdw blurRad="63500" dist="63500" dir="2700000" algn="tl" rotWithShape="0">
+                    <a:prstClr val="black"/>
                   </a:outerShdw>
                 </a:effectLst>
+                <a:latin typeface="HGP創英角ｺﾞｼｯｸUB" panose="020B0900000000000000" pitchFamily="50" charset="-128"/>
+                <a:ea typeface="HGP創英角ｺﾞｼｯｸUB" panose="020B0900000000000000" pitchFamily="50" charset="-128"/>
               </a:rPr>
               <a:t>＄</a:t>
             </a:r>
@@ -3852,12 +3860,12 @@
                   <a:schemeClr val="accent4"/>
                 </a:solidFill>
                 <a:effectLst>
-                  <a:outerShdw blurRad="50800" dist="38100" dir="2700000" algn="tl" rotWithShape="0">
-                    <a:prstClr val="black">
-                      <a:alpha val="40000"/>
-                    </a:prstClr>
+                  <a:outerShdw blurRad="63500" dist="63500" dir="2700000" algn="tl" rotWithShape="0">
+                    <a:prstClr val="black"/>
                   </a:outerShdw>
                 </a:effectLst>
+                <a:latin typeface="HGP創英角ｺﾞｼｯｸUB" panose="020B0900000000000000" pitchFamily="50" charset="-128"/>
+                <a:ea typeface="HGP創英角ｺﾞｼｯｸUB" panose="020B0900000000000000" pitchFamily="50" charset="-128"/>
               </a:rPr>
               <a:t>＄</a:t>
             </a:r>
@@ -3965,12 +3973,12 @@
                   <a:schemeClr val="accent4"/>
                 </a:solidFill>
                 <a:effectLst>
-                  <a:outerShdw blurRad="50800" dist="38100" dir="2700000" algn="tl" rotWithShape="0">
-                    <a:prstClr val="black">
-                      <a:alpha val="40000"/>
-                    </a:prstClr>
+                  <a:outerShdw blurRad="63500" dist="63500" dir="2700000" algn="tl" rotWithShape="0">
+                    <a:prstClr val="black"/>
                   </a:outerShdw>
                 </a:effectLst>
+                <a:latin typeface="HGP創英角ｺﾞｼｯｸUB" panose="020B0900000000000000" pitchFamily="50" charset="-128"/>
+                <a:ea typeface="HGP創英角ｺﾞｼｯｸUB" panose="020B0900000000000000" pitchFamily="50" charset="-128"/>
               </a:rPr>
               <a:t>＄</a:t>
             </a:r>
@@ -4078,12 +4086,12 @@
                   <a:schemeClr val="accent4"/>
                 </a:solidFill>
                 <a:effectLst>
-                  <a:outerShdw blurRad="50800" dist="38100" dir="2700000" algn="tl" rotWithShape="0">
-                    <a:prstClr val="black">
-                      <a:alpha val="40000"/>
-                    </a:prstClr>
+                  <a:outerShdw blurRad="63500" dist="63500" dir="2700000" algn="tl" rotWithShape="0">
+                    <a:prstClr val="black"/>
                   </a:outerShdw>
                 </a:effectLst>
+                <a:latin typeface="HGP創英角ｺﾞｼｯｸUB" panose="020B0900000000000000" pitchFamily="50" charset="-128"/>
+                <a:ea typeface="HGP創英角ｺﾞｼｯｸUB" panose="020B0900000000000000" pitchFamily="50" charset="-128"/>
               </a:rPr>
               <a:t>＄</a:t>
             </a:r>
@@ -4191,12 +4199,12 @@
                   <a:schemeClr val="accent4"/>
                 </a:solidFill>
                 <a:effectLst>
-                  <a:outerShdw blurRad="50800" dist="38100" dir="2700000" algn="tl" rotWithShape="0">
-                    <a:prstClr val="black">
-                      <a:alpha val="40000"/>
-                    </a:prstClr>
+                  <a:outerShdw blurRad="63500" dist="63500" dir="2700000" algn="tl" rotWithShape="0">
+                    <a:prstClr val="black"/>
                   </a:outerShdw>
                 </a:effectLst>
+                <a:latin typeface="HGP創英角ｺﾞｼｯｸUB" panose="020B0900000000000000" pitchFamily="50" charset="-128"/>
+                <a:ea typeface="HGP創英角ｺﾞｼｯｸUB" panose="020B0900000000000000" pitchFamily="50" charset="-128"/>
               </a:rPr>
               <a:t>＄</a:t>
             </a:r>
@@ -4304,12 +4312,12 @@
                   <a:schemeClr val="accent4"/>
                 </a:solidFill>
                 <a:effectLst>
-                  <a:outerShdw blurRad="50800" dist="38100" dir="2700000" algn="tl" rotWithShape="0">
-                    <a:prstClr val="black">
-                      <a:alpha val="40000"/>
-                    </a:prstClr>
+                  <a:outerShdw blurRad="63500" dist="63500" dir="2700000" algn="tl" rotWithShape="0">
+                    <a:prstClr val="black"/>
                   </a:outerShdw>
                 </a:effectLst>
+                <a:latin typeface="HGP創英角ｺﾞｼｯｸUB" panose="020B0900000000000000" pitchFamily="50" charset="-128"/>
+                <a:ea typeface="HGP創英角ｺﾞｼｯｸUB" panose="020B0900000000000000" pitchFamily="50" charset="-128"/>
               </a:rPr>
               <a:t>＄</a:t>
             </a:r>
@@ -4417,12 +4425,12 @@
                   <a:schemeClr val="accent4"/>
                 </a:solidFill>
                 <a:effectLst>
-                  <a:outerShdw blurRad="50800" dist="38100" dir="2700000" algn="tl" rotWithShape="0">
-                    <a:prstClr val="black">
-                      <a:alpha val="40000"/>
-                    </a:prstClr>
+                  <a:outerShdw blurRad="63500" dist="63500" dir="2700000" algn="tl" rotWithShape="0">
+                    <a:prstClr val="black"/>
                   </a:outerShdw>
                 </a:effectLst>
+                <a:latin typeface="HGP創英角ｺﾞｼｯｸUB" panose="020B0900000000000000" pitchFamily="50" charset="-128"/>
+                <a:ea typeface="HGP創英角ｺﾞｼｯｸUB" panose="020B0900000000000000" pitchFamily="50" charset="-128"/>
               </a:rPr>
               <a:t>＄</a:t>
             </a:r>
@@ -4530,12 +4538,12 @@
                   <a:schemeClr val="accent4"/>
                 </a:solidFill>
                 <a:effectLst>
-                  <a:outerShdw blurRad="50800" dist="38100" dir="2700000" algn="tl" rotWithShape="0">
-                    <a:prstClr val="black">
-                      <a:alpha val="40000"/>
-                    </a:prstClr>
+                  <a:outerShdw blurRad="63500" dist="63500" dir="2700000" algn="tl" rotWithShape="0">
+                    <a:prstClr val="black"/>
                   </a:outerShdw>
                 </a:effectLst>
+                <a:latin typeface="HGP創英角ｺﾞｼｯｸUB" panose="020B0900000000000000" pitchFamily="50" charset="-128"/>
+                <a:ea typeface="HGP創英角ｺﾞｼｯｸUB" panose="020B0900000000000000" pitchFamily="50" charset="-128"/>
               </a:rPr>
               <a:t>＄</a:t>
             </a:r>
@@ -4643,12 +4651,12 @@
                   <a:schemeClr val="accent4"/>
                 </a:solidFill>
                 <a:effectLst>
-                  <a:outerShdw blurRad="50800" dist="38100" dir="2700000" algn="tl" rotWithShape="0">
-                    <a:prstClr val="black">
-                      <a:alpha val="40000"/>
-                    </a:prstClr>
+                  <a:outerShdw blurRad="63500" dist="63500" dir="2700000" algn="tl" rotWithShape="0">
+                    <a:prstClr val="black"/>
                   </a:outerShdw>
                 </a:effectLst>
+                <a:latin typeface="HGP創英角ｺﾞｼｯｸUB" panose="020B0900000000000000" pitchFamily="50" charset="-128"/>
+                <a:ea typeface="HGP創英角ｺﾞｼｯｸUB" panose="020B0900000000000000" pitchFamily="50" charset="-128"/>
               </a:rPr>
               <a:t>＄</a:t>
             </a:r>
@@ -4756,12 +4764,12 @@
                   <a:schemeClr val="accent4"/>
                 </a:solidFill>
                 <a:effectLst>
-                  <a:outerShdw blurRad="50800" dist="38100" dir="2700000" algn="tl" rotWithShape="0">
-                    <a:prstClr val="black">
-                      <a:alpha val="40000"/>
-                    </a:prstClr>
+                  <a:outerShdw blurRad="63500" dist="63500" dir="2700000" algn="tl" rotWithShape="0">
+                    <a:prstClr val="black"/>
                   </a:outerShdw>
                 </a:effectLst>
+                <a:latin typeface="HGP創英角ｺﾞｼｯｸUB" panose="020B0900000000000000" pitchFamily="50" charset="-128"/>
+                <a:ea typeface="HGP創英角ｺﾞｼｯｸUB" panose="020B0900000000000000" pitchFamily="50" charset="-128"/>
               </a:rPr>
               <a:t>＄</a:t>
             </a:r>
@@ -4869,12 +4877,12 @@
                   <a:schemeClr val="accent4"/>
                 </a:solidFill>
                 <a:effectLst>
-                  <a:outerShdw blurRad="50800" dist="38100" dir="2700000" algn="tl" rotWithShape="0">
-                    <a:prstClr val="black">
-                      <a:alpha val="40000"/>
-                    </a:prstClr>
+                  <a:outerShdw blurRad="63500" dist="63500" dir="2700000" algn="tl" rotWithShape="0">
+                    <a:prstClr val="black"/>
                   </a:outerShdw>
                 </a:effectLst>
+                <a:latin typeface="HGP創英角ｺﾞｼｯｸUB" panose="020B0900000000000000" pitchFamily="50" charset="-128"/>
+                <a:ea typeface="HGP創英角ｺﾞｼｯｸUB" panose="020B0900000000000000" pitchFamily="50" charset="-128"/>
               </a:rPr>
               <a:t>＄</a:t>
             </a:r>
@@ -4982,12 +4990,12 @@
                   <a:schemeClr val="accent4"/>
                 </a:solidFill>
                 <a:effectLst>
-                  <a:outerShdw blurRad="50800" dist="38100" dir="2700000" algn="tl" rotWithShape="0">
-                    <a:prstClr val="black">
-                      <a:alpha val="40000"/>
-                    </a:prstClr>
+                  <a:outerShdw blurRad="63500" dist="63500" dir="2700000" algn="tl" rotWithShape="0">
+                    <a:prstClr val="black"/>
                   </a:outerShdw>
                 </a:effectLst>
+                <a:latin typeface="HGP創英角ｺﾞｼｯｸUB" panose="020B0900000000000000" pitchFamily="50" charset="-128"/>
+                <a:ea typeface="HGP創英角ｺﾞｼｯｸUB" panose="020B0900000000000000" pitchFamily="50" charset="-128"/>
               </a:rPr>
               <a:t>＄</a:t>
             </a:r>
@@ -5095,12 +5103,12 @@
                   <a:schemeClr val="accent4"/>
                 </a:solidFill>
                 <a:effectLst>
-                  <a:outerShdw blurRad="50800" dist="38100" dir="2700000" algn="tl" rotWithShape="0">
-                    <a:prstClr val="black">
-                      <a:alpha val="40000"/>
-                    </a:prstClr>
+                  <a:outerShdw blurRad="63500" dist="63500" dir="2700000" algn="tl" rotWithShape="0">
+                    <a:prstClr val="black"/>
                   </a:outerShdw>
                 </a:effectLst>
+                <a:latin typeface="HGP創英角ｺﾞｼｯｸUB" panose="020B0900000000000000" pitchFamily="50" charset="-128"/>
+                <a:ea typeface="HGP創英角ｺﾞｼｯｸUB" panose="020B0900000000000000" pitchFamily="50" charset="-128"/>
               </a:rPr>
               <a:t>＄</a:t>
             </a:r>
@@ -5208,12 +5216,12 @@
                   <a:schemeClr val="accent4"/>
                 </a:solidFill>
                 <a:effectLst>
-                  <a:outerShdw blurRad="50800" dist="38100" dir="2700000" algn="tl" rotWithShape="0">
-                    <a:prstClr val="black">
-                      <a:alpha val="40000"/>
-                    </a:prstClr>
+                  <a:outerShdw blurRad="63500" dist="63500" dir="2700000" algn="tl" rotWithShape="0">
+                    <a:prstClr val="black"/>
                   </a:outerShdw>
                 </a:effectLst>
+                <a:latin typeface="HGP創英角ｺﾞｼｯｸUB" panose="020B0900000000000000" pitchFamily="50" charset="-128"/>
+                <a:ea typeface="HGP創英角ｺﾞｼｯｸUB" panose="020B0900000000000000" pitchFamily="50" charset="-128"/>
               </a:rPr>
               <a:t>＄</a:t>
             </a:r>
@@ -5321,12 +5329,12 @@
                   <a:schemeClr val="accent4"/>
                 </a:solidFill>
                 <a:effectLst>
-                  <a:outerShdw blurRad="50800" dist="38100" dir="2700000" algn="tl" rotWithShape="0">
-                    <a:prstClr val="black">
-                      <a:alpha val="40000"/>
-                    </a:prstClr>
+                  <a:outerShdw blurRad="63500" dist="63500" dir="2700000" algn="tl" rotWithShape="0">
+                    <a:prstClr val="black"/>
                   </a:outerShdw>
                 </a:effectLst>
+                <a:latin typeface="HGP創英角ｺﾞｼｯｸUB" panose="020B0900000000000000" pitchFamily="50" charset="-128"/>
+                <a:ea typeface="HGP創英角ｺﾞｼｯｸUB" panose="020B0900000000000000" pitchFamily="50" charset="-128"/>
               </a:rPr>
               <a:t>＄</a:t>
             </a:r>
@@ -5434,12 +5442,12 @@
                   <a:schemeClr val="accent4"/>
                 </a:solidFill>
                 <a:effectLst>
-                  <a:outerShdw blurRad="50800" dist="38100" dir="2700000" algn="tl" rotWithShape="0">
-                    <a:prstClr val="black">
-                      <a:alpha val="40000"/>
-                    </a:prstClr>
+                  <a:outerShdw blurRad="63500" dist="63500" dir="2700000" algn="tl" rotWithShape="0">
+                    <a:prstClr val="black"/>
                   </a:outerShdw>
                 </a:effectLst>
+                <a:latin typeface="HGP創英角ｺﾞｼｯｸUB" panose="020B0900000000000000" pitchFamily="50" charset="-128"/>
+                <a:ea typeface="HGP創英角ｺﾞｼｯｸUB" panose="020B0900000000000000" pitchFamily="50" charset="-128"/>
               </a:rPr>
               <a:t>＄</a:t>
             </a:r>
@@ -5547,12 +5555,12 @@
                   <a:schemeClr val="accent4"/>
                 </a:solidFill>
                 <a:effectLst>
-                  <a:outerShdw blurRad="50800" dist="38100" dir="2700000" algn="tl" rotWithShape="0">
-                    <a:prstClr val="black">
-                      <a:alpha val="40000"/>
-                    </a:prstClr>
+                  <a:outerShdw blurRad="63500" dist="63500" dir="2700000" algn="tl" rotWithShape="0">
+                    <a:prstClr val="black"/>
                   </a:outerShdw>
                 </a:effectLst>
+                <a:latin typeface="HGP創英角ｺﾞｼｯｸUB" panose="020B0900000000000000" pitchFamily="50" charset="-128"/>
+                <a:ea typeface="HGP創英角ｺﾞｼｯｸUB" panose="020B0900000000000000" pitchFamily="50" charset="-128"/>
               </a:rPr>
               <a:t>＄</a:t>
             </a:r>
@@ -5660,12 +5668,12 @@
                   <a:schemeClr val="accent4"/>
                 </a:solidFill>
                 <a:effectLst>
-                  <a:outerShdw blurRad="50800" dist="38100" dir="2700000" algn="tl" rotWithShape="0">
-                    <a:prstClr val="black">
-                      <a:alpha val="40000"/>
-                    </a:prstClr>
+                  <a:outerShdw blurRad="63500" dist="63500" dir="2700000" algn="tl" rotWithShape="0">
+                    <a:prstClr val="black"/>
                   </a:outerShdw>
                 </a:effectLst>
+                <a:latin typeface="HGP創英角ｺﾞｼｯｸUB" panose="020B0900000000000000" pitchFamily="50" charset="-128"/>
+                <a:ea typeface="HGP創英角ｺﾞｼｯｸUB" panose="020B0900000000000000" pitchFamily="50" charset="-128"/>
               </a:rPr>
               <a:t>＄</a:t>
             </a:r>
@@ -5773,12 +5781,12 @@
                   <a:schemeClr val="accent4"/>
                 </a:solidFill>
                 <a:effectLst>
-                  <a:outerShdw blurRad="50800" dist="38100" dir="2700000" algn="tl" rotWithShape="0">
-                    <a:prstClr val="black">
-                      <a:alpha val="40000"/>
-                    </a:prstClr>
+                  <a:outerShdw blurRad="63500" dist="63500" dir="2700000" algn="tl" rotWithShape="0">
+                    <a:prstClr val="black"/>
                   </a:outerShdw>
                 </a:effectLst>
+                <a:latin typeface="HGP創英角ｺﾞｼｯｸUB" panose="020B0900000000000000" pitchFamily="50" charset="-128"/>
+                <a:ea typeface="HGP創英角ｺﾞｼｯｸUB" panose="020B0900000000000000" pitchFamily="50" charset="-128"/>
               </a:rPr>
               <a:t>＄</a:t>
             </a:r>
@@ -5886,12 +5894,12 @@
                   <a:schemeClr val="accent4"/>
                 </a:solidFill>
                 <a:effectLst>
-                  <a:outerShdw blurRad="50800" dist="38100" dir="2700000" algn="tl" rotWithShape="0">
-                    <a:prstClr val="black">
-                      <a:alpha val="40000"/>
-                    </a:prstClr>
+                  <a:outerShdw blurRad="63500" dist="63500" dir="2700000" algn="tl" rotWithShape="0">
+                    <a:prstClr val="black"/>
                   </a:outerShdw>
                 </a:effectLst>
+                <a:latin typeface="HGP創英角ｺﾞｼｯｸUB" panose="020B0900000000000000" pitchFamily="50" charset="-128"/>
+                <a:ea typeface="HGP創英角ｺﾞｼｯｸUB" panose="020B0900000000000000" pitchFamily="50" charset="-128"/>
               </a:rPr>
               <a:t>＄</a:t>
             </a:r>
@@ -5999,12 +6007,12 @@
                   <a:schemeClr val="accent4"/>
                 </a:solidFill>
                 <a:effectLst>
-                  <a:outerShdw blurRad="50800" dist="38100" dir="2700000" algn="tl" rotWithShape="0">
-                    <a:prstClr val="black">
-                      <a:alpha val="40000"/>
-                    </a:prstClr>
+                  <a:outerShdw blurRad="63500" dist="63500" dir="2700000" algn="tl" rotWithShape="0">
+                    <a:prstClr val="black"/>
                   </a:outerShdw>
                 </a:effectLst>
+                <a:latin typeface="HGP創英角ｺﾞｼｯｸUB" panose="020B0900000000000000" pitchFamily="50" charset="-128"/>
+                <a:ea typeface="HGP創英角ｺﾞｼｯｸUB" panose="020B0900000000000000" pitchFamily="50" charset="-128"/>
               </a:rPr>
               <a:t>＄</a:t>
             </a:r>
@@ -6112,12 +6120,12 @@
                   <a:schemeClr val="accent4"/>
                 </a:solidFill>
                 <a:effectLst>
-                  <a:outerShdw blurRad="50800" dist="38100" dir="2700000" algn="tl" rotWithShape="0">
-                    <a:prstClr val="black">
-                      <a:alpha val="40000"/>
-                    </a:prstClr>
+                  <a:outerShdw blurRad="63500" dist="63500" dir="2700000" algn="tl" rotWithShape="0">
+                    <a:prstClr val="black"/>
                   </a:outerShdw>
                 </a:effectLst>
+                <a:latin typeface="HGP創英角ｺﾞｼｯｸUB" panose="020B0900000000000000" pitchFamily="50" charset="-128"/>
+                <a:ea typeface="HGP創英角ｺﾞｼｯｸUB" panose="020B0900000000000000" pitchFamily="50" charset="-128"/>
               </a:rPr>
               <a:t>＄</a:t>
             </a:r>
@@ -6225,12 +6233,12 @@
                   <a:schemeClr val="accent4"/>
                 </a:solidFill>
                 <a:effectLst>
-                  <a:outerShdw blurRad="50800" dist="38100" dir="2700000" algn="tl" rotWithShape="0">
-                    <a:prstClr val="black">
-                      <a:alpha val="40000"/>
-                    </a:prstClr>
+                  <a:outerShdw blurRad="63500" dist="63500" dir="2700000" algn="tl" rotWithShape="0">
+                    <a:prstClr val="black"/>
                   </a:outerShdw>
                 </a:effectLst>
+                <a:latin typeface="HGP創英角ｺﾞｼｯｸUB" panose="020B0900000000000000" pitchFamily="50" charset="-128"/>
+                <a:ea typeface="HGP創英角ｺﾞｼｯｸUB" panose="020B0900000000000000" pitchFamily="50" charset="-128"/>
               </a:rPr>
               <a:t>＄</a:t>
             </a:r>
@@ -6338,12 +6346,12 @@
                   <a:schemeClr val="accent4"/>
                 </a:solidFill>
                 <a:effectLst>
-                  <a:outerShdw blurRad="50800" dist="38100" dir="2700000" algn="tl" rotWithShape="0">
-                    <a:prstClr val="black">
-                      <a:alpha val="40000"/>
-                    </a:prstClr>
+                  <a:outerShdw blurRad="63500" dist="63500" dir="2700000" algn="tl" rotWithShape="0">
+                    <a:prstClr val="black"/>
                   </a:outerShdw>
                 </a:effectLst>
+                <a:latin typeface="HGP創英角ｺﾞｼｯｸUB" panose="020B0900000000000000" pitchFamily="50" charset="-128"/>
+                <a:ea typeface="HGP創英角ｺﾞｼｯｸUB" panose="020B0900000000000000" pitchFamily="50" charset="-128"/>
               </a:rPr>
               <a:t>＄</a:t>
             </a:r>
@@ -6451,12 +6459,12 @@
                   <a:schemeClr val="accent4"/>
                 </a:solidFill>
                 <a:effectLst>
-                  <a:outerShdw blurRad="50800" dist="38100" dir="2700000" algn="tl" rotWithShape="0">
-                    <a:prstClr val="black">
-                      <a:alpha val="40000"/>
-                    </a:prstClr>
+                  <a:outerShdw blurRad="63500" dist="63500" dir="2700000" algn="tl" rotWithShape="0">
+                    <a:prstClr val="black"/>
                   </a:outerShdw>
                 </a:effectLst>
+                <a:latin typeface="HGP創英角ｺﾞｼｯｸUB" panose="020B0900000000000000" pitchFamily="50" charset="-128"/>
+                <a:ea typeface="HGP創英角ｺﾞｼｯｸUB" panose="020B0900000000000000" pitchFamily="50" charset="-128"/>
               </a:rPr>
               <a:t>＄</a:t>
             </a:r>
@@ -6564,12 +6572,12 @@
                   <a:schemeClr val="accent4"/>
                 </a:solidFill>
                 <a:effectLst>
-                  <a:outerShdw blurRad="50800" dist="38100" dir="2700000" algn="tl" rotWithShape="0">
-                    <a:prstClr val="black">
-                      <a:alpha val="40000"/>
-                    </a:prstClr>
+                  <a:outerShdw blurRad="63500" dist="63500" dir="2700000" algn="tl" rotWithShape="0">
+                    <a:prstClr val="black"/>
                   </a:outerShdw>
                 </a:effectLst>
+                <a:latin typeface="HGP創英角ｺﾞｼｯｸUB" panose="020B0900000000000000" pitchFamily="50" charset="-128"/>
+                <a:ea typeface="HGP創英角ｺﾞｼｯｸUB" panose="020B0900000000000000" pitchFamily="50" charset="-128"/>
               </a:rPr>
               <a:t>＄</a:t>
             </a:r>
@@ -6677,12 +6685,12 @@
                   <a:schemeClr val="accent4"/>
                 </a:solidFill>
                 <a:effectLst>
-                  <a:outerShdw blurRad="50800" dist="38100" dir="2700000" algn="tl" rotWithShape="0">
-                    <a:prstClr val="black">
-                      <a:alpha val="40000"/>
-                    </a:prstClr>
+                  <a:outerShdw blurRad="63500" dist="63500" dir="2700000" algn="tl" rotWithShape="0">
+                    <a:prstClr val="black"/>
                   </a:outerShdw>
                 </a:effectLst>
+                <a:latin typeface="HGP創英角ｺﾞｼｯｸUB" panose="020B0900000000000000" pitchFamily="50" charset="-128"/>
+                <a:ea typeface="HGP創英角ｺﾞｼｯｸUB" panose="020B0900000000000000" pitchFamily="50" charset="-128"/>
               </a:rPr>
               <a:t>＄</a:t>
             </a:r>

--- a/docs/coin.pptx
+++ b/docs/coin.pptx
@@ -6,6 +6,7 @@
   </p:sldMasterIdLst>
   <p:sldIdLst>
     <p:sldId id="256" r:id="rId2"/>
+    <p:sldId id="257" r:id="rId3"/>
   </p:sldIdLst>
   <p:sldSz cx="12192000" cy="6858000"/>
   <p:notesSz cx="6858000" cy="9144000"/>
@@ -243,7 +244,7 @@
           <a:p>
             <a:fld id="{FBE56CA4-35BB-4DD4-9802-FAC61B11A488}" type="datetimeFigureOut">
               <a:rPr kumimoji="1" lang="ja-JP" altLang="en-US" smtClean="0"/>
-              <a:t>2016/7/21</a:t>
+              <a:t>2016/9/11</a:t>
             </a:fld>
             <a:endParaRPr kumimoji="1" lang="ja-JP" altLang="en-US"/>
           </a:p>
@@ -445,7 +446,7 @@
           <a:p>
             <a:fld id="{FBE56CA4-35BB-4DD4-9802-FAC61B11A488}" type="datetimeFigureOut">
               <a:rPr kumimoji="1" lang="ja-JP" altLang="en-US" smtClean="0"/>
-              <a:t>2016/7/21</a:t>
+              <a:t>2016/9/11</a:t>
             </a:fld>
             <a:endParaRPr kumimoji="1" lang="ja-JP" altLang="en-US"/>
           </a:p>
@@ -657,7 +658,7 @@
           <a:p>
             <a:fld id="{FBE56CA4-35BB-4DD4-9802-FAC61B11A488}" type="datetimeFigureOut">
               <a:rPr kumimoji="1" lang="ja-JP" altLang="en-US" smtClean="0"/>
-              <a:t>2016/7/21</a:t>
+              <a:t>2016/9/11</a:t>
             </a:fld>
             <a:endParaRPr kumimoji="1" lang="ja-JP" altLang="en-US"/>
           </a:p>
@@ -859,7 +860,7 @@
           <a:p>
             <a:fld id="{FBE56CA4-35BB-4DD4-9802-FAC61B11A488}" type="datetimeFigureOut">
               <a:rPr kumimoji="1" lang="ja-JP" altLang="en-US" smtClean="0"/>
-              <a:t>2016/7/21</a:t>
+              <a:t>2016/9/11</a:t>
             </a:fld>
             <a:endParaRPr kumimoji="1" lang="ja-JP" altLang="en-US"/>
           </a:p>
@@ -1105,7 +1106,7 @@
           <a:p>
             <a:fld id="{FBE56CA4-35BB-4DD4-9802-FAC61B11A488}" type="datetimeFigureOut">
               <a:rPr kumimoji="1" lang="ja-JP" altLang="en-US" smtClean="0"/>
-              <a:t>2016/7/21</a:t>
+              <a:t>2016/9/11</a:t>
             </a:fld>
             <a:endParaRPr kumimoji="1" lang="ja-JP" altLang="en-US"/>
           </a:p>
@@ -1401,7 +1402,7 @@
           <a:p>
             <a:fld id="{FBE56CA4-35BB-4DD4-9802-FAC61B11A488}" type="datetimeFigureOut">
               <a:rPr kumimoji="1" lang="ja-JP" altLang="en-US" smtClean="0"/>
-              <a:t>2016/7/21</a:t>
+              <a:t>2016/9/11</a:t>
             </a:fld>
             <a:endParaRPr kumimoji="1" lang="ja-JP" altLang="en-US"/>
           </a:p>
@@ -1832,7 +1833,7 @@
           <a:p>
             <a:fld id="{FBE56CA4-35BB-4DD4-9802-FAC61B11A488}" type="datetimeFigureOut">
               <a:rPr kumimoji="1" lang="ja-JP" altLang="en-US" smtClean="0"/>
-              <a:t>2016/7/21</a:t>
+              <a:t>2016/9/11</a:t>
             </a:fld>
             <a:endParaRPr kumimoji="1" lang="ja-JP" altLang="en-US"/>
           </a:p>
@@ -1950,7 +1951,7 @@
           <a:p>
             <a:fld id="{FBE56CA4-35BB-4DD4-9802-FAC61B11A488}" type="datetimeFigureOut">
               <a:rPr kumimoji="1" lang="ja-JP" altLang="en-US" smtClean="0"/>
-              <a:t>2016/7/21</a:t>
+              <a:t>2016/9/11</a:t>
             </a:fld>
             <a:endParaRPr kumimoji="1" lang="ja-JP" altLang="en-US"/>
           </a:p>
@@ -2045,7 +2046,7 @@
           <a:p>
             <a:fld id="{FBE56CA4-35BB-4DD4-9802-FAC61B11A488}" type="datetimeFigureOut">
               <a:rPr kumimoji="1" lang="ja-JP" altLang="en-US" smtClean="0"/>
-              <a:t>2016/7/21</a:t>
+              <a:t>2016/9/11</a:t>
             </a:fld>
             <a:endParaRPr kumimoji="1" lang="ja-JP" altLang="en-US"/>
           </a:p>
@@ -2354,7 +2355,7 @@
           <a:p>
             <a:fld id="{FBE56CA4-35BB-4DD4-9802-FAC61B11A488}" type="datetimeFigureOut">
               <a:rPr kumimoji="1" lang="ja-JP" altLang="en-US" smtClean="0"/>
-              <a:t>2016/7/21</a:t>
+              <a:t>2016/9/11</a:t>
             </a:fld>
             <a:endParaRPr kumimoji="1" lang="ja-JP" altLang="en-US"/>
           </a:p>
@@ -2611,7 +2612,7 @@
           <a:p>
             <a:fld id="{FBE56CA4-35BB-4DD4-9802-FAC61B11A488}" type="datetimeFigureOut">
               <a:rPr kumimoji="1" lang="ja-JP" altLang="en-US" smtClean="0"/>
-              <a:t>2016/7/21</a:t>
+              <a:t>2016/9/11</a:t>
             </a:fld>
             <a:endParaRPr kumimoji="1" lang="ja-JP" altLang="en-US"/>
           </a:p>
@@ -2856,7 +2857,7 @@
           <a:p>
             <a:fld id="{FBE56CA4-35BB-4DD4-9802-FAC61B11A488}" type="datetimeFigureOut">
               <a:rPr kumimoji="1" lang="ja-JP" altLang="en-US" smtClean="0"/>
-              <a:t>2016/7/21</a:t>
+              <a:t>2016/9/11</a:t>
             </a:fld>
             <a:endParaRPr kumimoji="1" lang="ja-JP" altLang="en-US"/>
           </a:p>
@@ -6710,6 +6711,718 @@
 </p:sld>
 </file>
 
+<file path=ppt/slides/slide2.xml><?xml version="1.0" encoding="utf-8"?>
+<p:sld xmlns:a="http://schemas.openxmlformats.org/drawingml/2006/main" xmlns:r="http://schemas.openxmlformats.org/officeDocument/2006/relationships" xmlns:p="http://schemas.openxmlformats.org/presentationml/2006/main">
+  <p:cSld>
+    <p:spTree>
+      <p:nvGrpSpPr>
+        <p:cNvPr id="1" name=""/>
+        <p:cNvGrpSpPr/>
+        <p:nvPr/>
+      </p:nvGrpSpPr>
+      <p:grpSpPr>
+        <a:xfrm>
+          <a:off x="0" y="0"/>
+          <a:ext cx="0" cy="0"/>
+          <a:chOff x="0" y="0"/>
+          <a:chExt cx="0" cy="0"/>
+        </a:xfrm>
+      </p:grpSpPr>
+      <p:sp>
+        <p:nvSpPr>
+          <p:cNvPr id="8" name="正方形/長方形 7"/>
+          <p:cNvSpPr/>
+          <p:nvPr/>
+        </p:nvSpPr>
+        <p:spPr>
+          <a:xfrm>
+            <a:off x="3935976" y="1988984"/>
+            <a:ext cx="1440016" cy="1440016"/>
+          </a:xfrm>
+          <a:prstGeom prst="rect">
+            <a:avLst/>
+          </a:prstGeom>
+          <a:solidFill>
+            <a:schemeClr val="accent2"/>
+          </a:solidFill>
+          <a:ln>
+            <a:noFill/>
+          </a:ln>
+        </p:spPr>
+        <p:style>
+          <a:lnRef idx="2">
+            <a:schemeClr val="accent1">
+              <a:shade val="50000"/>
+            </a:schemeClr>
+          </a:lnRef>
+          <a:fillRef idx="1">
+            <a:schemeClr val="accent1"/>
+          </a:fillRef>
+          <a:effectRef idx="0">
+            <a:schemeClr val="accent1"/>
+          </a:effectRef>
+          <a:fontRef idx="minor">
+            <a:schemeClr val="lt1"/>
+          </a:fontRef>
+        </p:style>
+        <p:txBody>
+          <a:bodyPr rtlCol="0" anchor="ctr"/>
+          <a:lstStyle/>
+          <a:p>
+            <a:pPr algn="ctr"/>
+            <a:endParaRPr kumimoji="1" lang="ja-JP" altLang="en-US">
+              <a:latin typeface="HGP創英角ｺﾞｼｯｸUB" panose="020B0900000000000000" pitchFamily="50" charset="-128"/>
+              <a:ea typeface="HGP創英角ｺﾞｼｯｸUB" panose="020B0900000000000000" pitchFamily="50" charset="-128"/>
+            </a:endParaRPr>
+          </a:p>
+        </p:txBody>
+      </p:sp>
+      <p:sp>
+        <p:nvSpPr>
+          <p:cNvPr id="3" name="正方形/長方形 2"/>
+          <p:cNvSpPr/>
+          <p:nvPr/>
+        </p:nvSpPr>
+        <p:spPr>
+          <a:xfrm>
+            <a:off x="2495960" y="1988984"/>
+            <a:ext cx="1440016" cy="1440016"/>
+          </a:xfrm>
+          <a:prstGeom prst="rect">
+            <a:avLst/>
+          </a:prstGeom>
+          <a:ln>
+            <a:noFill/>
+          </a:ln>
+        </p:spPr>
+        <p:style>
+          <a:lnRef idx="2">
+            <a:schemeClr val="accent1">
+              <a:shade val="50000"/>
+            </a:schemeClr>
+          </a:lnRef>
+          <a:fillRef idx="1">
+            <a:schemeClr val="accent1"/>
+          </a:fillRef>
+          <a:effectRef idx="0">
+            <a:schemeClr val="accent1"/>
+          </a:effectRef>
+          <a:fontRef idx="minor">
+            <a:schemeClr val="lt1"/>
+          </a:fontRef>
+        </p:style>
+        <p:txBody>
+          <a:bodyPr rtlCol="0" anchor="ctr"/>
+          <a:lstStyle/>
+          <a:p>
+            <a:pPr algn="ctr"/>
+            <a:endParaRPr kumimoji="1" lang="ja-JP" altLang="en-US">
+              <a:latin typeface="HGP創英角ｺﾞｼｯｸUB" panose="020B0900000000000000" pitchFamily="50" charset="-128"/>
+              <a:ea typeface="HGP創英角ｺﾞｼｯｸUB" panose="020B0900000000000000" pitchFamily="50" charset="-128"/>
+            </a:endParaRPr>
+          </a:p>
+        </p:txBody>
+      </p:sp>
+      <p:sp>
+        <p:nvSpPr>
+          <p:cNvPr id="2" name="楕円 1"/>
+          <p:cNvSpPr/>
+          <p:nvPr/>
+        </p:nvSpPr>
+        <p:spPr>
+          <a:xfrm>
+            <a:off x="2585961" y="2078985"/>
+            <a:ext cx="1260014" cy="1260014"/>
+          </a:xfrm>
+          <a:prstGeom prst="ellipse">
+            <a:avLst/>
+          </a:prstGeom>
+          <a:gradFill>
+            <a:gsLst>
+              <a:gs pos="0">
+                <a:srgbClr val="FFFF00"/>
+              </a:gs>
+              <a:gs pos="29000">
+                <a:srgbClr val="FFFF00"/>
+              </a:gs>
+              <a:gs pos="100000">
+                <a:schemeClr val="accent4">
+                  <a:lumMod val="100000"/>
+                </a:schemeClr>
+              </a:gs>
+            </a:gsLst>
+            <a:path path="circle">
+              <a:fillToRect l="50000" t="-80000" r="50000" b="180000"/>
+            </a:path>
+          </a:gradFill>
+          <a:ln w="25400">
+            <a:solidFill>
+              <a:schemeClr val="accent4">
+                <a:lumMod val="75000"/>
+              </a:schemeClr>
+            </a:solidFill>
+          </a:ln>
+          <a:scene3d>
+            <a:camera prst="perspectiveFront" fov="3600000">
+              <a:rot lat="0" lon="21599956" rev="0"/>
+            </a:camera>
+            <a:lightRig rig="threePt" dir="t"/>
+          </a:scene3d>
+          <a:sp3d extrusionH="127000" contourW="12700" prstMaterial="metal">
+            <a:bevelT prst="relaxedInset"/>
+            <a:bevelB prst="relaxedInset"/>
+            <a:contourClr>
+              <a:schemeClr val="accent4">
+                <a:lumMod val="50000"/>
+              </a:schemeClr>
+            </a:contourClr>
+          </a:sp3d>
+        </p:spPr>
+        <p:style>
+          <a:lnRef idx="2">
+            <a:schemeClr val="accent1">
+              <a:shade val="50000"/>
+            </a:schemeClr>
+          </a:lnRef>
+          <a:fillRef idx="1">
+            <a:schemeClr val="accent1"/>
+          </a:fillRef>
+          <a:effectRef idx="0">
+            <a:schemeClr val="accent1"/>
+          </a:effectRef>
+          <a:fontRef idx="minor">
+            <a:schemeClr val="lt1"/>
+          </a:fontRef>
+        </p:style>
+        <p:txBody>
+          <a:bodyPr rot="0" spcFirstLastPara="0" vertOverflow="overflow" horzOverflow="overflow" vert="horz" wrap="square" lIns="91440" tIns="45720" rIns="91440" bIns="45720" numCol="1" spcCol="0" rtlCol="0" fromWordArt="0" anchor="ctr" anchorCtr="0" forceAA="0" compatLnSpc="1">
+            <a:prstTxWarp prst="textNoShape">
+              <a:avLst/>
+            </a:prstTxWarp>
+            <a:noAutofit/>
+            <a:scene3d>
+              <a:camera prst="orthographicFront"/>
+              <a:lightRig rig="soft" dir="t">
+                <a:rot lat="0" lon="0" rev="15600000"/>
+              </a:lightRig>
+            </a:scene3d>
+            <a:sp3d extrusionH="57150" prstMaterial="softEdge">
+              <a:bevelT w="25400" h="38100"/>
+            </a:sp3d>
+          </a:bodyPr>
+          <a:lstStyle/>
+          <a:p>
+            <a:pPr algn="ctr">
+              <a:lnSpc>
+                <a:spcPct val="114000"/>
+              </a:lnSpc>
+            </a:pPr>
+            <a:r>
+              <a:rPr kumimoji="1" lang="ja-JP" altLang="en-US" sz="8000" b="1" dirty="0">
+                <a:ln/>
+                <a:solidFill>
+                  <a:schemeClr val="accent4"/>
+                </a:solidFill>
+                <a:effectLst>
+                  <a:outerShdw blurRad="63500" dist="63500" dir="2700000" algn="tl" rotWithShape="0">
+                    <a:prstClr val="black"/>
+                  </a:outerShdw>
+                </a:effectLst>
+                <a:latin typeface="HGP創英角ｺﾞｼｯｸUB" panose="020B0900000000000000" pitchFamily="50" charset="-128"/>
+                <a:ea typeface="HGP創英角ｺﾞｼｯｸUB" panose="020B0900000000000000" pitchFamily="50" charset="-128"/>
+              </a:rPr>
+              <a:t>＄</a:t>
+            </a:r>
+          </a:p>
+        </p:txBody>
+      </p:sp>
+      <p:sp>
+        <p:nvSpPr>
+          <p:cNvPr id="6" name="フリーフォーム: 図形 5"/>
+          <p:cNvSpPr/>
+          <p:nvPr/>
+        </p:nvSpPr>
+        <p:spPr>
+          <a:xfrm>
+            <a:off x="3935976" y="1988984"/>
+            <a:ext cx="1440018" cy="1440016"/>
+          </a:xfrm>
+          <a:custGeom>
+            <a:avLst/>
+            <a:gdLst>
+              <a:gd name="connsiteX0" fmla="*/ 720009 w 1440018"/>
+              <a:gd name="connsiteY0" fmla="*/ 0 h 1440016"/>
+              <a:gd name="connsiteX1" fmla="*/ 783383 w 1440018"/>
+              <a:gd name="connsiteY1" fmla="*/ 96390 h 1440016"/>
+              <a:gd name="connsiteX2" fmla="*/ 846978 w 1440018"/>
+              <a:gd name="connsiteY2" fmla="*/ 102801 h 1440016"/>
+              <a:gd name="connsiteX3" fmla="*/ 965236 w 1440018"/>
+              <a:gd name="connsiteY3" fmla="*/ 139510 h 1440016"/>
+              <a:gd name="connsiteX4" fmla="*/ 1045834 w 1440018"/>
+              <a:gd name="connsiteY4" fmla="*/ 183257 h 1440016"/>
+              <a:gd name="connsiteX5" fmla="*/ 1165001 w 1440018"/>
+              <a:gd name="connsiteY5" fmla="*/ 137507 h 1440016"/>
+              <a:gd name="connsiteX6" fmla="*/ 1155569 w 1440018"/>
+              <a:gd name="connsiteY6" fmla="*/ 266340 h 1440016"/>
+              <a:gd name="connsiteX7" fmla="*/ 1165491 w 1440018"/>
+              <a:gd name="connsiteY7" fmla="*/ 274526 h 1440016"/>
+              <a:gd name="connsiteX8" fmla="*/ 1242421 w 1440018"/>
+              <a:gd name="connsiteY8" fmla="*/ 367765 h 1440016"/>
+              <a:gd name="connsiteX9" fmla="*/ 1294031 w 1440018"/>
+              <a:gd name="connsiteY9" fmla="*/ 462849 h 1440016"/>
+              <a:gd name="connsiteX10" fmla="*/ 1440018 w 1440018"/>
+              <a:gd name="connsiteY10" fmla="*/ 497511 h 1440016"/>
+              <a:gd name="connsiteX11" fmla="*/ 1339122 w 1440018"/>
+              <a:gd name="connsiteY11" fmla="*/ 611940 h 1440016"/>
+              <a:gd name="connsiteX12" fmla="*/ 1350016 w 1440018"/>
+              <a:gd name="connsiteY12" fmla="*/ 720008 h 1440016"/>
+              <a:gd name="connsiteX13" fmla="*/ 1339122 w 1440018"/>
+              <a:gd name="connsiteY13" fmla="*/ 828076 h 1440016"/>
+              <a:gd name="connsiteX14" fmla="*/ 1440018 w 1440018"/>
+              <a:gd name="connsiteY14" fmla="*/ 942505 h 1440016"/>
+              <a:gd name="connsiteX15" fmla="*/ 1294031 w 1440018"/>
+              <a:gd name="connsiteY15" fmla="*/ 977167 h 1440016"/>
+              <a:gd name="connsiteX16" fmla="*/ 1242421 w 1440018"/>
+              <a:gd name="connsiteY16" fmla="*/ 1072251 h 1440016"/>
+              <a:gd name="connsiteX17" fmla="*/ 1165491 w 1440018"/>
+              <a:gd name="connsiteY17" fmla="*/ 1165490 h 1440016"/>
+              <a:gd name="connsiteX18" fmla="*/ 1155569 w 1440018"/>
+              <a:gd name="connsiteY18" fmla="*/ 1173677 h 1440016"/>
+              <a:gd name="connsiteX19" fmla="*/ 1165001 w 1440018"/>
+              <a:gd name="connsiteY19" fmla="*/ 1302509 h 1440016"/>
+              <a:gd name="connsiteX20" fmla="*/ 1045834 w 1440018"/>
+              <a:gd name="connsiteY20" fmla="*/ 1256759 h 1440016"/>
+              <a:gd name="connsiteX21" fmla="*/ 965236 w 1440018"/>
+              <a:gd name="connsiteY21" fmla="*/ 1300506 h 1440016"/>
+              <a:gd name="connsiteX22" fmla="*/ 846978 w 1440018"/>
+              <a:gd name="connsiteY22" fmla="*/ 1337216 h 1440016"/>
+              <a:gd name="connsiteX23" fmla="*/ 783383 w 1440018"/>
+              <a:gd name="connsiteY23" fmla="*/ 1343626 h 1440016"/>
+              <a:gd name="connsiteX24" fmla="*/ 720009 w 1440018"/>
+              <a:gd name="connsiteY24" fmla="*/ 1440016 h 1440016"/>
+              <a:gd name="connsiteX25" fmla="*/ 656635 w 1440018"/>
+              <a:gd name="connsiteY25" fmla="*/ 1343626 h 1440016"/>
+              <a:gd name="connsiteX26" fmla="*/ 593041 w 1440018"/>
+              <a:gd name="connsiteY26" fmla="*/ 1337216 h 1440016"/>
+              <a:gd name="connsiteX27" fmla="*/ 474782 w 1440018"/>
+              <a:gd name="connsiteY27" fmla="*/ 1300506 h 1440016"/>
+              <a:gd name="connsiteX28" fmla="*/ 394185 w 1440018"/>
+              <a:gd name="connsiteY28" fmla="*/ 1256759 h 1440016"/>
+              <a:gd name="connsiteX29" fmla="*/ 275017 w 1440018"/>
+              <a:gd name="connsiteY29" fmla="*/ 1302509 h 1440016"/>
+              <a:gd name="connsiteX30" fmla="*/ 284449 w 1440018"/>
+              <a:gd name="connsiteY30" fmla="*/ 1173677 h 1440016"/>
+              <a:gd name="connsiteX31" fmla="*/ 274527 w 1440018"/>
+              <a:gd name="connsiteY31" fmla="*/ 1165490 h 1440016"/>
+              <a:gd name="connsiteX32" fmla="*/ 197598 w 1440018"/>
+              <a:gd name="connsiteY32" fmla="*/ 1072251 h 1440016"/>
+              <a:gd name="connsiteX33" fmla="*/ 145988 w 1440018"/>
+              <a:gd name="connsiteY33" fmla="*/ 977167 h 1440016"/>
+              <a:gd name="connsiteX34" fmla="*/ 0 w 1440018"/>
+              <a:gd name="connsiteY34" fmla="*/ 942505 h 1440016"/>
+              <a:gd name="connsiteX35" fmla="*/ 100896 w 1440018"/>
+              <a:gd name="connsiteY35" fmla="*/ 828076 h 1440016"/>
+              <a:gd name="connsiteX36" fmla="*/ 90002 w 1440018"/>
+              <a:gd name="connsiteY36" fmla="*/ 720008 h 1440016"/>
+              <a:gd name="connsiteX37" fmla="*/ 100896 w 1440018"/>
+              <a:gd name="connsiteY37" fmla="*/ 611940 h 1440016"/>
+              <a:gd name="connsiteX38" fmla="*/ 0 w 1440018"/>
+              <a:gd name="connsiteY38" fmla="*/ 497511 h 1440016"/>
+              <a:gd name="connsiteX39" fmla="*/ 145988 w 1440018"/>
+              <a:gd name="connsiteY39" fmla="*/ 462849 h 1440016"/>
+              <a:gd name="connsiteX40" fmla="*/ 197598 w 1440018"/>
+              <a:gd name="connsiteY40" fmla="*/ 367765 h 1440016"/>
+              <a:gd name="connsiteX41" fmla="*/ 274527 w 1440018"/>
+              <a:gd name="connsiteY41" fmla="*/ 274526 h 1440016"/>
+              <a:gd name="connsiteX42" fmla="*/ 284449 w 1440018"/>
+              <a:gd name="connsiteY42" fmla="*/ 266340 h 1440016"/>
+              <a:gd name="connsiteX43" fmla="*/ 275017 w 1440018"/>
+              <a:gd name="connsiteY43" fmla="*/ 137507 h 1440016"/>
+              <a:gd name="connsiteX44" fmla="*/ 394185 w 1440018"/>
+              <a:gd name="connsiteY44" fmla="*/ 183257 h 1440016"/>
+              <a:gd name="connsiteX45" fmla="*/ 474782 w 1440018"/>
+              <a:gd name="connsiteY45" fmla="*/ 139510 h 1440016"/>
+              <a:gd name="connsiteX46" fmla="*/ 593041 w 1440018"/>
+              <a:gd name="connsiteY46" fmla="*/ 102801 h 1440016"/>
+              <a:gd name="connsiteX47" fmla="*/ 656635 w 1440018"/>
+              <a:gd name="connsiteY47" fmla="*/ 96390 h 1440016"/>
+            </a:gdLst>
+            <a:ahLst/>
+            <a:cxnLst>
+              <a:cxn ang="0">
+                <a:pos x="connsiteX0" y="connsiteY0"/>
+              </a:cxn>
+              <a:cxn ang="0">
+                <a:pos x="connsiteX1" y="connsiteY1"/>
+              </a:cxn>
+              <a:cxn ang="0">
+                <a:pos x="connsiteX2" y="connsiteY2"/>
+              </a:cxn>
+              <a:cxn ang="0">
+                <a:pos x="connsiteX3" y="connsiteY3"/>
+              </a:cxn>
+              <a:cxn ang="0">
+                <a:pos x="connsiteX4" y="connsiteY4"/>
+              </a:cxn>
+              <a:cxn ang="0">
+                <a:pos x="connsiteX5" y="connsiteY5"/>
+              </a:cxn>
+              <a:cxn ang="0">
+                <a:pos x="connsiteX6" y="connsiteY6"/>
+              </a:cxn>
+              <a:cxn ang="0">
+                <a:pos x="connsiteX7" y="connsiteY7"/>
+              </a:cxn>
+              <a:cxn ang="0">
+                <a:pos x="connsiteX8" y="connsiteY8"/>
+              </a:cxn>
+              <a:cxn ang="0">
+                <a:pos x="connsiteX9" y="connsiteY9"/>
+              </a:cxn>
+              <a:cxn ang="0">
+                <a:pos x="connsiteX10" y="connsiteY10"/>
+              </a:cxn>
+              <a:cxn ang="0">
+                <a:pos x="connsiteX11" y="connsiteY11"/>
+              </a:cxn>
+              <a:cxn ang="0">
+                <a:pos x="connsiteX12" y="connsiteY12"/>
+              </a:cxn>
+              <a:cxn ang="0">
+                <a:pos x="connsiteX13" y="connsiteY13"/>
+              </a:cxn>
+              <a:cxn ang="0">
+                <a:pos x="connsiteX14" y="connsiteY14"/>
+              </a:cxn>
+              <a:cxn ang="0">
+                <a:pos x="connsiteX15" y="connsiteY15"/>
+              </a:cxn>
+              <a:cxn ang="0">
+                <a:pos x="connsiteX16" y="connsiteY16"/>
+              </a:cxn>
+              <a:cxn ang="0">
+                <a:pos x="connsiteX17" y="connsiteY17"/>
+              </a:cxn>
+              <a:cxn ang="0">
+                <a:pos x="connsiteX18" y="connsiteY18"/>
+              </a:cxn>
+              <a:cxn ang="0">
+                <a:pos x="connsiteX19" y="connsiteY19"/>
+              </a:cxn>
+              <a:cxn ang="0">
+                <a:pos x="connsiteX20" y="connsiteY20"/>
+              </a:cxn>
+              <a:cxn ang="0">
+                <a:pos x="connsiteX21" y="connsiteY21"/>
+              </a:cxn>
+              <a:cxn ang="0">
+                <a:pos x="connsiteX22" y="connsiteY22"/>
+              </a:cxn>
+              <a:cxn ang="0">
+                <a:pos x="connsiteX23" y="connsiteY23"/>
+              </a:cxn>
+              <a:cxn ang="0">
+                <a:pos x="connsiteX24" y="connsiteY24"/>
+              </a:cxn>
+              <a:cxn ang="0">
+                <a:pos x="connsiteX25" y="connsiteY25"/>
+              </a:cxn>
+              <a:cxn ang="0">
+                <a:pos x="connsiteX26" y="connsiteY26"/>
+              </a:cxn>
+              <a:cxn ang="0">
+                <a:pos x="connsiteX27" y="connsiteY27"/>
+              </a:cxn>
+              <a:cxn ang="0">
+                <a:pos x="connsiteX28" y="connsiteY28"/>
+              </a:cxn>
+              <a:cxn ang="0">
+                <a:pos x="connsiteX29" y="connsiteY29"/>
+              </a:cxn>
+              <a:cxn ang="0">
+                <a:pos x="connsiteX30" y="connsiteY30"/>
+              </a:cxn>
+              <a:cxn ang="0">
+                <a:pos x="connsiteX31" y="connsiteY31"/>
+              </a:cxn>
+              <a:cxn ang="0">
+                <a:pos x="connsiteX32" y="connsiteY32"/>
+              </a:cxn>
+              <a:cxn ang="0">
+                <a:pos x="connsiteX33" y="connsiteY33"/>
+              </a:cxn>
+              <a:cxn ang="0">
+                <a:pos x="connsiteX34" y="connsiteY34"/>
+              </a:cxn>
+              <a:cxn ang="0">
+                <a:pos x="connsiteX35" y="connsiteY35"/>
+              </a:cxn>
+              <a:cxn ang="0">
+                <a:pos x="connsiteX36" y="connsiteY36"/>
+              </a:cxn>
+              <a:cxn ang="0">
+                <a:pos x="connsiteX37" y="connsiteY37"/>
+              </a:cxn>
+              <a:cxn ang="0">
+                <a:pos x="connsiteX38" y="connsiteY38"/>
+              </a:cxn>
+              <a:cxn ang="0">
+                <a:pos x="connsiteX39" y="connsiteY39"/>
+              </a:cxn>
+              <a:cxn ang="0">
+                <a:pos x="connsiteX40" y="connsiteY40"/>
+              </a:cxn>
+              <a:cxn ang="0">
+                <a:pos x="connsiteX41" y="connsiteY41"/>
+              </a:cxn>
+              <a:cxn ang="0">
+                <a:pos x="connsiteX42" y="connsiteY42"/>
+              </a:cxn>
+              <a:cxn ang="0">
+                <a:pos x="connsiteX43" y="connsiteY43"/>
+              </a:cxn>
+              <a:cxn ang="0">
+                <a:pos x="connsiteX44" y="connsiteY44"/>
+              </a:cxn>
+              <a:cxn ang="0">
+                <a:pos x="connsiteX45" y="connsiteY45"/>
+              </a:cxn>
+              <a:cxn ang="0">
+                <a:pos x="connsiteX46" y="connsiteY46"/>
+              </a:cxn>
+              <a:cxn ang="0">
+                <a:pos x="connsiteX47" y="connsiteY47"/>
+              </a:cxn>
+            </a:cxnLst>
+            <a:rect l="l" t="t" r="r" b="b"/>
+            <a:pathLst>
+              <a:path w="1440018" h="1440016">
+                <a:moveTo>
+                  <a:pt x="720009" y="0"/>
+                </a:moveTo>
+                <a:lnTo>
+                  <a:pt x="783383" y="96390"/>
+                </a:lnTo>
+                <a:lnTo>
+                  <a:pt x="846978" y="102801"/>
+                </a:lnTo>
+                <a:cubicBezTo>
+                  <a:pt x="887989" y="111193"/>
+                  <a:pt x="927550" y="123570"/>
+                  <a:pt x="965236" y="139510"/>
+                </a:cubicBezTo>
+                <a:lnTo>
+                  <a:pt x="1045834" y="183257"/>
+                </a:lnTo>
+                <a:lnTo>
+                  <a:pt x="1165001" y="137507"/>
+                </a:lnTo>
+                <a:lnTo>
+                  <a:pt x="1155569" y="266340"/>
+                </a:lnTo>
+                <a:lnTo>
+                  <a:pt x="1165491" y="274526"/>
+                </a:lnTo>
+                <a:cubicBezTo>
+                  <a:pt x="1193994" y="303028"/>
+                  <a:pt x="1219778" y="334249"/>
+                  <a:pt x="1242421" y="367765"/>
+                </a:cubicBezTo>
+                <a:lnTo>
+                  <a:pt x="1294031" y="462849"/>
+                </a:lnTo>
+                <a:lnTo>
+                  <a:pt x="1440018" y="497511"/>
+                </a:lnTo>
+                <a:lnTo>
+                  <a:pt x="1339122" y="611940"/>
+                </a:lnTo>
+                <a:lnTo>
+                  <a:pt x="1350016" y="720008"/>
+                </a:lnTo>
+                <a:lnTo>
+                  <a:pt x="1339122" y="828076"/>
+                </a:lnTo>
+                <a:lnTo>
+                  <a:pt x="1440018" y="942505"/>
+                </a:lnTo>
+                <a:lnTo>
+                  <a:pt x="1294031" y="977167"/>
+                </a:lnTo>
+                <a:lnTo>
+                  <a:pt x="1242421" y="1072251"/>
+                </a:lnTo>
+                <a:cubicBezTo>
+                  <a:pt x="1219778" y="1105768"/>
+                  <a:pt x="1193994" y="1136988"/>
+                  <a:pt x="1165491" y="1165490"/>
+                </a:cubicBezTo>
+                <a:lnTo>
+                  <a:pt x="1155569" y="1173677"/>
+                </a:lnTo>
+                <a:lnTo>
+                  <a:pt x="1165001" y="1302509"/>
+                </a:lnTo>
+                <a:lnTo>
+                  <a:pt x="1045834" y="1256759"/>
+                </a:lnTo>
+                <a:lnTo>
+                  <a:pt x="965236" y="1300506"/>
+                </a:lnTo>
+                <a:cubicBezTo>
+                  <a:pt x="927550" y="1316446"/>
+                  <a:pt x="887989" y="1328823"/>
+                  <a:pt x="846978" y="1337216"/>
+                </a:cubicBezTo>
+                <a:lnTo>
+                  <a:pt x="783383" y="1343626"/>
+                </a:lnTo>
+                <a:lnTo>
+                  <a:pt x="720009" y="1440016"/>
+                </a:lnTo>
+                <a:lnTo>
+                  <a:pt x="656635" y="1343626"/>
+                </a:lnTo>
+                <a:lnTo>
+                  <a:pt x="593041" y="1337216"/>
+                </a:lnTo>
+                <a:cubicBezTo>
+                  <a:pt x="552029" y="1328823"/>
+                  <a:pt x="512469" y="1316446"/>
+                  <a:pt x="474782" y="1300506"/>
+                </a:cubicBezTo>
+                <a:lnTo>
+                  <a:pt x="394185" y="1256759"/>
+                </a:lnTo>
+                <a:lnTo>
+                  <a:pt x="275017" y="1302509"/>
+                </a:lnTo>
+                <a:lnTo>
+                  <a:pt x="284449" y="1173677"/>
+                </a:lnTo>
+                <a:lnTo>
+                  <a:pt x="274527" y="1165490"/>
+                </a:lnTo>
+                <a:cubicBezTo>
+                  <a:pt x="246025" y="1136988"/>
+                  <a:pt x="220241" y="1105768"/>
+                  <a:pt x="197598" y="1072251"/>
+                </a:cubicBezTo>
+                <a:lnTo>
+                  <a:pt x="145988" y="977167"/>
+                </a:lnTo>
+                <a:lnTo>
+                  <a:pt x="0" y="942505"/>
+                </a:lnTo>
+                <a:lnTo>
+                  <a:pt x="100896" y="828076"/>
+                </a:lnTo>
+                <a:lnTo>
+                  <a:pt x="90002" y="720008"/>
+                </a:lnTo>
+                <a:lnTo>
+                  <a:pt x="100896" y="611940"/>
+                </a:lnTo>
+                <a:lnTo>
+                  <a:pt x="0" y="497511"/>
+                </a:lnTo>
+                <a:lnTo>
+                  <a:pt x="145988" y="462849"/>
+                </a:lnTo>
+                <a:lnTo>
+                  <a:pt x="197598" y="367765"/>
+                </a:lnTo>
+                <a:cubicBezTo>
+                  <a:pt x="220241" y="334249"/>
+                  <a:pt x="246025" y="303028"/>
+                  <a:pt x="274527" y="274526"/>
+                </a:cubicBezTo>
+                <a:lnTo>
+                  <a:pt x="284449" y="266340"/>
+                </a:lnTo>
+                <a:lnTo>
+                  <a:pt x="275017" y="137507"/>
+                </a:lnTo>
+                <a:lnTo>
+                  <a:pt x="394185" y="183257"/>
+                </a:lnTo>
+                <a:lnTo>
+                  <a:pt x="474782" y="139510"/>
+                </a:lnTo>
+                <a:cubicBezTo>
+                  <a:pt x="512469" y="123570"/>
+                  <a:pt x="552029" y="111193"/>
+                  <a:pt x="593041" y="102801"/>
+                </a:cubicBezTo>
+                <a:lnTo>
+                  <a:pt x="656635" y="96390"/>
+                </a:lnTo>
+                <a:close/>
+              </a:path>
+            </a:pathLst>
+          </a:custGeom>
+          <a:solidFill>
+            <a:schemeClr val="tx1">
+              <a:lumMod val="75000"/>
+              <a:lumOff val="25000"/>
+            </a:schemeClr>
+          </a:solidFill>
+          <a:ln w="6350">
+            <a:solidFill>
+              <a:schemeClr val="tx1"/>
+            </a:solidFill>
+          </a:ln>
+          <a:scene3d>
+            <a:camera prst="orthographicFront"/>
+            <a:lightRig rig="threePt" dir="t"/>
+          </a:scene3d>
+          <a:sp3d>
+            <a:bevelT w="635000" h="381000"/>
+          </a:sp3d>
+        </p:spPr>
+        <p:style>
+          <a:lnRef idx="2">
+            <a:schemeClr val="accent1">
+              <a:shade val="50000"/>
+            </a:schemeClr>
+          </a:lnRef>
+          <a:fillRef idx="1">
+            <a:schemeClr val="accent1"/>
+          </a:fillRef>
+          <a:effectRef idx="0">
+            <a:schemeClr val="accent1"/>
+          </a:effectRef>
+          <a:fontRef idx="minor">
+            <a:schemeClr val="lt1"/>
+          </a:fontRef>
+        </p:style>
+        <p:txBody>
+          <a:bodyPr rot="0" spcFirstLastPara="0" vertOverflow="overflow" horzOverflow="overflow" vert="horz" wrap="square" lIns="91440" tIns="45720" rIns="91440" bIns="45720" numCol="1" spcCol="0" rtlCol="0" fromWordArt="0" anchor="ctr" anchorCtr="0" forceAA="0" compatLnSpc="1">
+            <a:prstTxWarp prst="textNoShape">
+              <a:avLst/>
+            </a:prstTxWarp>
+            <a:noAutofit/>
+          </a:bodyPr>
+          <a:lstStyle/>
+          <a:p>
+            <a:pPr algn="ctr"/>
+            <a:endParaRPr kumimoji="1" lang="ja-JP" altLang="en-US"/>
+          </a:p>
+        </p:txBody>
+      </p:sp>
+    </p:spTree>
+    <p:extLst>
+      <p:ext uri="{BB962C8B-B14F-4D97-AF65-F5344CB8AC3E}">
+        <p14:creationId xmlns:p14="http://schemas.microsoft.com/office/powerpoint/2010/main" val="190972750"/>
+      </p:ext>
+    </p:extLst>
+  </p:cSld>
+  <p:clrMapOvr>
+    <a:masterClrMapping/>
+  </p:clrMapOvr>
+</p:sld>
+</file>
+
 <file path=ppt/theme/theme1.xml><?xml version="1.0" encoding="utf-8"?>
 <a:theme xmlns:a="http://schemas.openxmlformats.org/drawingml/2006/main" name="Office テーマ">
   <a:themeElements>
